--- a/doco/demo-slides.pptx
+++ b/doco/demo-slides.pptx
@@ -290,6 +290,7 @@
           <a:p>
             <a:fld id="{F40A3BD0-99E2-44A2-9101-82235EC82373}" type="datetimeFigureOut">
               <a:rPr lang="en-US" smtClean="0"/>
+              <a:pPr/>
               <a:t>2/18/2013</a:t>
             </a:fld>
             <a:endParaRPr lang="en-US"/>
@@ -332,6 +333,7 @@
           <a:p>
             <a:fld id="{796C0B9E-3F8E-4F58-87F0-F44BC284BD35}" type="slidenum">
               <a:rPr lang="en-US" smtClean="0"/>
+              <a:pPr/>
               <a:t>‹#›</a:t>
             </a:fld>
             <a:endParaRPr lang="en-US"/>
@@ -455,6 +457,7 @@
           <a:p>
             <a:fld id="{F40A3BD0-99E2-44A2-9101-82235EC82373}" type="datetimeFigureOut">
               <a:rPr lang="en-US" smtClean="0"/>
+              <a:pPr/>
               <a:t>2/18/2013</a:t>
             </a:fld>
             <a:endParaRPr lang="en-US"/>
@@ -497,6 +500,7 @@
           <a:p>
             <a:fld id="{796C0B9E-3F8E-4F58-87F0-F44BC284BD35}" type="slidenum">
               <a:rPr lang="en-US" smtClean="0"/>
+              <a:pPr/>
               <a:t>‹#›</a:t>
             </a:fld>
             <a:endParaRPr lang="en-US"/>
@@ -630,6 +634,7 @@
           <a:p>
             <a:fld id="{F40A3BD0-99E2-44A2-9101-82235EC82373}" type="datetimeFigureOut">
               <a:rPr lang="en-US" smtClean="0"/>
+              <a:pPr/>
               <a:t>2/18/2013</a:t>
             </a:fld>
             <a:endParaRPr lang="en-US"/>
@@ -672,6 +677,7 @@
           <a:p>
             <a:fld id="{796C0B9E-3F8E-4F58-87F0-F44BC284BD35}" type="slidenum">
               <a:rPr lang="en-US" smtClean="0"/>
+              <a:pPr/>
               <a:t>‹#›</a:t>
             </a:fld>
             <a:endParaRPr lang="en-US"/>
@@ -795,6 +801,7 @@
           <a:p>
             <a:fld id="{F40A3BD0-99E2-44A2-9101-82235EC82373}" type="datetimeFigureOut">
               <a:rPr lang="en-US" smtClean="0"/>
+              <a:pPr/>
               <a:t>2/18/2013</a:t>
             </a:fld>
             <a:endParaRPr lang="en-US"/>
@@ -837,6 +844,7 @@
           <a:p>
             <a:fld id="{796C0B9E-3F8E-4F58-87F0-F44BC284BD35}" type="slidenum">
               <a:rPr lang="en-US" smtClean="0"/>
+              <a:pPr/>
               <a:t>‹#›</a:t>
             </a:fld>
             <a:endParaRPr lang="en-US"/>
@@ -1036,6 +1044,7 @@
           <a:p>
             <a:fld id="{F40A3BD0-99E2-44A2-9101-82235EC82373}" type="datetimeFigureOut">
               <a:rPr lang="en-US" smtClean="0"/>
+              <a:pPr/>
               <a:t>2/18/2013</a:t>
             </a:fld>
             <a:endParaRPr lang="en-US"/>
@@ -1078,6 +1087,7 @@
           <a:p>
             <a:fld id="{796C0B9E-3F8E-4F58-87F0-F44BC284BD35}" type="slidenum">
               <a:rPr lang="en-US" smtClean="0"/>
+              <a:pPr/>
               <a:t>‹#›</a:t>
             </a:fld>
             <a:endParaRPr lang="en-US"/>
@@ -1319,6 +1329,7 @@
           <a:p>
             <a:fld id="{F40A3BD0-99E2-44A2-9101-82235EC82373}" type="datetimeFigureOut">
               <a:rPr lang="en-US" smtClean="0"/>
+              <a:pPr/>
               <a:t>2/18/2013</a:t>
             </a:fld>
             <a:endParaRPr lang="en-US"/>
@@ -1361,6 +1372,7 @@
           <a:p>
             <a:fld id="{796C0B9E-3F8E-4F58-87F0-F44BC284BD35}" type="slidenum">
               <a:rPr lang="en-US" smtClean="0"/>
+              <a:pPr/>
               <a:t>‹#›</a:t>
             </a:fld>
             <a:endParaRPr lang="en-US"/>
@@ -1736,6 +1748,7 @@
           <a:p>
             <a:fld id="{F40A3BD0-99E2-44A2-9101-82235EC82373}" type="datetimeFigureOut">
               <a:rPr lang="en-US" smtClean="0"/>
+              <a:pPr/>
               <a:t>2/18/2013</a:t>
             </a:fld>
             <a:endParaRPr lang="en-US"/>
@@ -1778,6 +1791,7 @@
           <a:p>
             <a:fld id="{796C0B9E-3F8E-4F58-87F0-F44BC284BD35}" type="slidenum">
               <a:rPr lang="en-US" smtClean="0"/>
+              <a:pPr/>
               <a:t>‹#›</a:t>
             </a:fld>
             <a:endParaRPr lang="en-US"/>
@@ -1849,6 +1863,7 @@
           <a:p>
             <a:fld id="{F40A3BD0-99E2-44A2-9101-82235EC82373}" type="datetimeFigureOut">
               <a:rPr lang="en-US" smtClean="0"/>
+              <a:pPr/>
               <a:t>2/18/2013</a:t>
             </a:fld>
             <a:endParaRPr lang="en-US"/>
@@ -1891,6 +1906,7 @@
           <a:p>
             <a:fld id="{796C0B9E-3F8E-4F58-87F0-F44BC284BD35}" type="slidenum">
               <a:rPr lang="en-US" smtClean="0"/>
+              <a:pPr/>
               <a:t>‹#›</a:t>
             </a:fld>
             <a:endParaRPr lang="en-US"/>
@@ -1939,6 +1955,7 @@
           <a:p>
             <a:fld id="{F40A3BD0-99E2-44A2-9101-82235EC82373}" type="datetimeFigureOut">
               <a:rPr lang="en-US" smtClean="0"/>
+              <a:pPr/>
               <a:t>2/18/2013</a:t>
             </a:fld>
             <a:endParaRPr lang="en-US"/>
@@ -1981,6 +1998,7 @@
           <a:p>
             <a:fld id="{796C0B9E-3F8E-4F58-87F0-F44BC284BD35}" type="slidenum">
               <a:rPr lang="en-US" smtClean="0"/>
+              <a:pPr/>
               <a:t>‹#›</a:t>
             </a:fld>
             <a:endParaRPr lang="en-US"/>
@@ -2211,6 +2229,7 @@
           <a:p>
             <a:fld id="{F40A3BD0-99E2-44A2-9101-82235EC82373}" type="datetimeFigureOut">
               <a:rPr lang="en-US" smtClean="0"/>
+              <a:pPr/>
               <a:t>2/18/2013</a:t>
             </a:fld>
             <a:endParaRPr lang="en-US"/>
@@ -2253,6 +2272,7 @@
           <a:p>
             <a:fld id="{796C0B9E-3F8E-4F58-87F0-F44BC284BD35}" type="slidenum">
               <a:rPr lang="en-US" smtClean="0"/>
+              <a:pPr/>
               <a:t>‹#›</a:t>
             </a:fld>
             <a:endParaRPr lang="en-US"/>
@@ -2459,6 +2479,7 @@
           <a:p>
             <a:fld id="{F40A3BD0-99E2-44A2-9101-82235EC82373}" type="datetimeFigureOut">
               <a:rPr lang="en-US" smtClean="0"/>
+              <a:pPr/>
               <a:t>2/18/2013</a:t>
             </a:fld>
             <a:endParaRPr lang="en-US"/>
@@ -2501,6 +2522,7 @@
           <a:p>
             <a:fld id="{796C0B9E-3F8E-4F58-87F0-F44BC284BD35}" type="slidenum">
               <a:rPr lang="en-US" smtClean="0"/>
+              <a:pPr/>
               <a:t>‹#›</a:t>
             </a:fld>
             <a:endParaRPr lang="en-US"/>
@@ -2667,6 +2689,7 @@
           <a:p>
             <a:fld id="{F40A3BD0-99E2-44A2-9101-82235EC82373}" type="datetimeFigureOut">
               <a:rPr lang="en-US" smtClean="0"/>
+              <a:pPr/>
               <a:t>2/18/2013</a:t>
             </a:fld>
             <a:endParaRPr lang="en-US"/>
@@ -2745,6 +2768,7 @@
           <a:p>
             <a:fld id="{796C0B9E-3F8E-4F58-87F0-F44BC284BD35}" type="slidenum">
               <a:rPr lang="en-US" smtClean="0"/>
+              <a:pPr/>
               <a:t>‹#›</a:t>
             </a:fld>
             <a:endParaRPr lang="en-US"/>
@@ -3595,6 +3619,13 @@
   <p:clrMapOvr>
     <a:masterClrMapping/>
   </p:clrMapOvr>
+  <p:timing>
+    <p:tnLst>
+      <p:par>
+        <p:cTn id="1" dur="indefinite" restart="never" nodeType="tmRoot"/>
+      </p:par>
+    </p:tnLst>
+  </p:timing>
 </p:sld>
 </file>
 
@@ -3913,6 +3944,13 @@
   <p:clrMapOvr>
     <a:masterClrMapping/>
   </p:clrMapOvr>
+  <p:timing>
+    <p:tnLst>
+      <p:par>
+        <p:cTn id="1" dur="indefinite" restart="never" nodeType="tmRoot"/>
+      </p:par>
+    </p:tnLst>
+  </p:timing>
 </p:sld>
 </file>
 
@@ -4542,7 +4580,7 @@
         <p:spPr>
           <a:xfrm>
             <a:off x="3429000" y="4419600"/>
-            <a:ext cx="2759986" cy="461665"/>
+            <a:ext cx="3129959" cy="461665"/>
           </a:xfrm>
           <a:prstGeom prst="rect">
             <a:avLst/>
@@ -4571,8 +4609,21 @@
             </a:r>
             <a:r>
               <a:rPr lang="en-US" sz="1200" dirty="0" smtClean="0"/>
-              <a:t>etrieved  from TRUNK/branch. </a:t>
-            </a:r>
+              <a:t>etrieved  from </a:t>
+            </a:r>
+            <a:r>
+              <a:rPr lang="en-US" sz="1200" dirty="0" smtClean="0"/>
+              <a:t>TRUNK/branch</a:t>
+            </a:r>
+            <a:r>
+              <a:rPr lang="en-US" sz="1200" dirty="0" smtClean="0"/>
+              <a:t> </a:t>
+            </a:r>
+            <a:r>
+              <a:rPr lang="en-US" sz="1200" dirty="0" smtClean="0"/>
+              <a:t>to build binaries</a:t>
+            </a:r>
+            <a:endParaRPr lang="en-US" sz="1200" dirty="0" smtClean="0"/>
           </a:p>
         </p:txBody>
       </p:sp>
@@ -4804,6 +4855,13 @@
   <p:clrMapOvr>
     <a:masterClrMapping/>
   </p:clrMapOvr>
+  <p:timing>
+    <p:tnLst>
+      <p:par>
+        <p:cTn id="1" dur="indefinite" restart="never" nodeType="tmRoot"/>
+      </p:par>
+    </p:tnLst>
+  </p:timing>
 </p:sld>
 </file>
 
